--- a/Idée charte graphique.pptx
+++ b/Idée charte graphique.pptx
@@ -109,6 +109,11 @@
       </a:defRPr>
     </a:lvl9pPr>
   </p:defaultTextStyle>
+  <p:extLst>
+    <p:ext uri="{EFAFB233-063F-42B5-8137-9DF3F51BA10A}">
+      <p15:sldGuideLst xmlns:p15="http://schemas.microsoft.com/office/powerpoint/2012/main"/>
+    </p:ext>
+  </p:extLst>
 </p:presentation>
 </file>
 
@@ -3734,7 +3739,7 @@
         </p:nvSpPr>
         <p:spPr>
           <a:xfrm>
-            <a:off x="4894387" y="651135"/>
+            <a:off x="4894387" y="570615"/>
             <a:ext cx="5103223" cy="1107996"/>
           </a:xfrm>
           <a:prstGeom prst="rect">
@@ -3774,7 +3779,7 @@
         </p:nvSpPr>
         <p:spPr>
           <a:xfrm>
-            <a:off x="4397999" y="5479393"/>
+            <a:off x="4397999" y="5586484"/>
             <a:ext cx="6096000" cy="646331"/>
           </a:xfrm>
           <a:prstGeom prst="rect">
@@ -3814,8 +3819,8 @@
         </p:nvSpPr>
         <p:spPr>
           <a:xfrm>
-            <a:off x="155067" y="246700"/>
-            <a:ext cx="2403651" cy="830997"/>
+            <a:off x="-1" y="246700"/>
+            <a:ext cx="2699998" cy="830997"/>
           </a:xfrm>
           <a:prstGeom prst="rect">
             <a:avLst/>
@@ -8542,8 +8547,8 @@
         </p:nvSpPr>
         <p:spPr>
           <a:xfrm>
-            <a:off x="3535851" y="2592924"/>
-            <a:ext cx="7820296" cy="830997"/>
+            <a:off x="3535850" y="2114913"/>
+            <a:ext cx="7820296" cy="1446550"/>
           </a:xfrm>
           <a:prstGeom prst="rect">
             <a:avLst/>
@@ -8556,21 +8561,30 @@
           </a:bodyPr>
           <a:lstStyle/>
           <a:p>
+            <a:pPr algn="ctr"/>
             <a:r>
-              <a:rPr lang="fr-FR" sz="4800" b="1" dirty="0">
+              <a:rPr lang="fr-FR" sz="4000" b="1" dirty="0">
                 <a:solidFill>
                   <a:srgbClr val="EFEFEF"/>
                 </a:solidFill>
               </a:rPr>
               <a:t>Nom du joueur 1 :</a:t>
             </a:r>
+            <a:endParaRPr lang="fr-FR" sz="4000" b="1" dirty="0">
+              <a:solidFill>
+                <a:srgbClr val="F68E5F"/>
+              </a:solidFill>
+            </a:endParaRPr>
+          </a:p>
+          <a:p>
+            <a:pPr algn="ctr"/>
             <a:r>
               <a:rPr lang="fr-FR" sz="4800" b="1" dirty="0">
                 <a:solidFill>
                   <a:srgbClr val="F68E5F"/>
                 </a:solidFill>
               </a:rPr>
-              <a:t> Colin</a:t>
+              <a:t>Colin</a:t>
             </a:r>
           </a:p>
         </p:txBody>
@@ -8589,8 +8603,8 @@
         </p:nvSpPr>
         <p:spPr>
           <a:xfrm>
-            <a:off x="3535851" y="3802131"/>
-            <a:ext cx="7820296" cy="830997"/>
+            <a:off x="3535850" y="3699018"/>
+            <a:ext cx="7820296" cy="1446550"/>
           </a:xfrm>
           <a:prstGeom prst="rect">
             <a:avLst/>
@@ -8603,21 +8617,30 @@
           </a:bodyPr>
           <a:lstStyle/>
           <a:p>
+            <a:pPr algn="ctr"/>
             <a:r>
-              <a:rPr lang="fr-FR" sz="4800" b="1" dirty="0">
+              <a:rPr lang="fr-FR" sz="4000" b="1" dirty="0">
                 <a:solidFill>
                   <a:srgbClr val="EFEFEF"/>
                 </a:solidFill>
               </a:rPr>
               <a:t>Nom du joueur 2 :</a:t>
             </a:r>
+            <a:endParaRPr lang="fr-FR" sz="4000" b="1" dirty="0">
+              <a:solidFill>
+                <a:srgbClr val="947EB0"/>
+              </a:solidFill>
+            </a:endParaRPr>
+          </a:p>
+          <a:p>
+            <a:pPr algn="ctr"/>
             <a:r>
               <a:rPr lang="fr-FR" sz="4800" b="1" dirty="0">
                 <a:solidFill>
                   <a:srgbClr val="947EB0"/>
                 </a:solidFill>
               </a:rPr>
-              <a:t> Lucas</a:t>
+              <a:t>Lucas</a:t>
             </a:r>
           </a:p>
         </p:txBody>
@@ -8706,6 +8729,46 @@
       </p:sp>
       <p:sp>
         <p:nvSpPr>
+          <p:cNvPr id="189" name="ZoneTexte 188">
+            <a:extLst>
+              <a:ext uri="{FF2B5EF4-FFF2-40B4-BE49-F238E27FC236}">
+                <a16:creationId xmlns:a16="http://schemas.microsoft.com/office/drawing/2014/main" id="{55C87088-CB9E-43C8-9739-0552CC9126D5}"/>
+              </a:ext>
+            </a:extLst>
+          </p:cNvPr>
+          <p:cNvSpPr txBox="1"/>
+          <p:nvPr/>
+        </p:nvSpPr>
+        <p:spPr>
+          <a:xfrm>
+            <a:off x="4397999" y="5586484"/>
+            <a:ext cx="6096000" cy="646331"/>
+          </a:xfrm>
+          <a:prstGeom prst="rect">
+            <a:avLst/>
+          </a:prstGeom>
+          <a:noFill/>
+        </p:spPr>
+        <p:txBody>
+          <a:bodyPr wrap="square">
+            <a:spAutoFit/>
+          </a:bodyPr>
+          <a:lstStyle/>
+          <a:p>
+            <a:pPr algn="ctr"/>
+            <a:r>
+              <a:rPr lang="fr-FR" sz="3600" b="1" dirty="0">
+                <a:solidFill>
+                  <a:srgbClr val="EFEFEF"/>
+                </a:solidFill>
+              </a:rPr>
+              <a:t>C’est parti</a:t>
+            </a:r>
+          </a:p>
+        </p:txBody>
+      </p:sp>
+      <p:sp>
+        <p:nvSpPr>
           <p:cNvPr id="8" name="Rectangle 7">
             <a:extLst>
               <a:ext uri="{FF2B5EF4-FFF2-40B4-BE49-F238E27FC236}">
@@ -8753,180 +8816,6 @@
           <a:p>
             <a:pPr algn="ctr"/>
             <a:endParaRPr lang="fr-FR" dirty="0"/>
-          </a:p>
-        </p:txBody>
-      </p:sp>
-      <p:sp>
-        <p:nvSpPr>
-          <p:cNvPr id="3" name="ZoneTexte 2">
-            <a:extLst>
-              <a:ext uri="{FF2B5EF4-FFF2-40B4-BE49-F238E27FC236}">
-                <a16:creationId xmlns:a16="http://schemas.microsoft.com/office/drawing/2014/main" id="{A6F4110D-4E8F-457E-A6E6-D59EE45D3B15}"/>
-              </a:ext>
-            </a:extLst>
-          </p:cNvPr>
-          <p:cNvSpPr txBox="1"/>
-          <p:nvPr/>
-        </p:nvSpPr>
-        <p:spPr>
-          <a:xfrm>
-            <a:off x="4894387" y="651135"/>
-            <a:ext cx="5103223" cy="1107996"/>
-          </a:xfrm>
-          <a:prstGeom prst="rect">
-            <a:avLst/>
-          </a:prstGeom>
-          <a:noFill/>
-        </p:spPr>
-        <p:txBody>
-          <a:bodyPr wrap="square" rtlCol="0">
-            <a:spAutoFit/>
-          </a:bodyPr>
-          <a:lstStyle/>
-          <a:p>
-            <a:pPr algn="ctr"/>
-            <a:r>
-              <a:rPr lang="fr-FR" sz="6600" b="1" dirty="0">
-                <a:solidFill>
-                  <a:srgbClr val="A0D2DB"/>
-                </a:solidFill>
-              </a:rPr>
-              <a:t>Puissance 4</a:t>
-            </a:r>
-          </a:p>
-        </p:txBody>
-      </p:sp>
-      <p:sp>
-        <p:nvSpPr>
-          <p:cNvPr id="29" name="ZoneTexte 28">
-            <a:extLst>
-              <a:ext uri="{FF2B5EF4-FFF2-40B4-BE49-F238E27FC236}">
-                <a16:creationId xmlns:a16="http://schemas.microsoft.com/office/drawing/2014/main" id="{F5DF7375-D2CD-479C-8B35-AEDE05E7FE92}"/>
-              </a:ext>
-            </a:extLst>
-          </p:cNvPr>
-          <p:cNvSpPr txBox="1"/>
-          <p:nvPr/>
-        </p:nvSpPr>
-        <p:spPr>
-          <a:xfrm>
-            <a:off x="3535851" y="2592924"/>
-            <a:ext cx="7820296" cy="830997"/>
-          </a:xfrm>
-          <a:prstGeom prst="rect">
-            <a:avLst/>
-          </a:prstGeom>
-          <a:noFill/>
-        </p:spPr>
-        <p:txBody>
-          <a:bodyPr wrap="square" rtlCol="0">
-            <a:spAutoFit/>
-          </a:bodyPr>
-          <a:lstStyle/>
-          <a:p>
-            <a:r>
-              <a:rPr lang="fr-FR" sz="4800" b="1" dirty="0">
-                <a:solidFill>
-                  <a:srgbClr val="EFEFEF"/>
-                </a:solidFill>
-              </a:rPr>
-              <a:t>Nom du joueur 1 :</a:t>
-            </a:r>
-            <a:r>
-              <a:rPr lang="fr-FR" sz="4800" b="1" dirty="0">
-                <a:solidFill>
-                  <a:srgbClr val="F68E5F"/>
-                </a:solidFill>
-              </a:rPr>
-              <a:t> Colin</a:t>
-            </a:r>
-          </a:p>
-        </p:txBody>
-      </p:sp>
-      <p:sp>
-        <p:nvSpPr>
-          <p:cNvPr id="30" name="ZoneTexte 29">
-            <a:extLst>
-              <a:ext uri="{FF2B5EF4-FFF2-40B4-BE49-F238E27FC236}">
-                <a16:creationId xmlns:a16="http://schemas.microsoft.com/office/drawing/2014/main" id="{F13143B9-02D2-47CE-8768-38DAF00746ED}"/>
-              </a:ext>
-            </a:extLst>
-          </p:cNvPr>
-          <p:cNvSpPr txBox="1"/>
-          <p:nvPr/>
-        </p:nvSpPr>
-        <p:spPr>
-          <a:xfrm>
-            <a:off x="3535851" y="3802131"/>
-            <a:ext cx="7820296" cy="830997"/>
-          </a:xfrm>
-          <a:prstGeom prst="rect">
-            <a:avLst/>
-          </a:prstGeom>
-          <a:noFill/>
-        </p:spPr>
-        <p:txBody>
-          <a:bodyPr wrap="square" rtlCol="0">
-            <a:spAutoFit/>
-          </a:bodyPr>
-          <a:lstStyle/>
-          <a:p>
-            <a:r>
-              <a:rPr lang="fr-FR" sz="4800" b="1" dirty="0">
-                <a:solidFill>
-                  <a:srgbClr val="EFEFEF"/>
-                </a:solidFill>
-              </a:rPr>
-              <a:t>Nom du joueur 2 :</a:t>
-            </a:r>
-            <a:r>
-              <a:rPr lang="fr-FR" sz="4800" b="1" dirty="0">
-                <a:solidFill>
-                  <a:srgbClr val="947EB0"/>
-                </a:solidFill>
-              </a:rPr>
-              <a:t> Lucas</a:t>
-            </a:r>
-          </a:p>
-        </p:txBody>
-      </p:sp>
-      <p:sp>
-        <p:nvSpPr>
-          <p:cNvPr id="33" name="ZoneTexte 32">
-            <a:extLst>
-              <a:ext uri="{FF2B5EF4-FFF2-40B4-BE49-F238E27FC236}">
-                <a16:creationId xmlns:a16="http://schemas.microsoft.com/office/drawing/2014/main" id="{3ECFE3EE-4769-4DC8-AB46-241FA8269F16}"/>
-              </a:ext>
-            </a:extLst>
-          </p:cNvPr>
-          <p:cNvSpPr txBox="1"/>
-          <p:nvPr/>
-        </p:nvSpPr>
-        <p:spPr>
-          <a:xfrm>
-            <a:off x="4397999" y="5479393"/>
-            <a:ext cx="6096000" cy="646331"/>
-          </a:xfrm>
-          <a:prstGeom prst="rect">
-            <a:avLst/>
-          </a:prstGeom>
-          <a:noFill/>
-        </p:spPr>
-        <p:txBody>
-          <a:bodyPr wrap="square">
-            <a:spAutoFit/>
-          </a:bodyPr>
-          <a:lstStyle/>
-          <a:p>
-            <a:pPr algn="ctr"/>
-            <a:r>
-              <a:rPr lang="fr-FR" sz="3600" b="1" dirty="0">
-                <a:solidFill>
-                  <a:srgbClr val="EFEFEF"/>
-                </a:solidFill>
-              </a:rPr>
-              <a:t>C’est parti</a:t>
-            </a:r>
           </a:p>
         </p:txBody>
       </p:sp>
@@ -12573,7 +12462,7 @@
         </p:blipFill>
         <p:spPr>
           <a:xfrm rot="500160">
-            <a:off x="8131734" y="5747311"/>
+            <a:off x="8192694" y="5886971"/>
             <a:ext cx="616972" cy="616972"/>
           </a:xfrm>
           <a:prstGeom prst="rect">
@@ -13737,10 +13626,10 @@
       </p:pic>
       <p:sp>
         <p:nvSpPr>
-          <p:cNvPr id="185" name="ZoneTexte 184">
+          <p:cNvPr id="186" name="ZoneTexte 185">
             <a:extLst>
               <a:ext uri="{FF2B5EF4-FFF2-40B4-BE49-F238E27FC236}">
-                <a16:creationId xmlns:a16="http://schemas.microsoft.com/office/drawing/2014/main" id="{23D521AB-29EB-4779-AC6D-E6127D1C2E24}"/>
+                <a16:creationId xmlns:a16="http://schemas.microsoft.com/office/drawing/2014/main" id="{2BC1C2C4-0424-4CE8-8AC7-8D3943C5755C}"/>
               </a:ext>
             </a:extLst>
           </p:cNvPr>
@@ -13749,8 +13638,160 @@
         </p:nvSpPr>
         <p:spPr>
           <a:xfrm>
-            <a:off x="155067" y="246700"/>
-            <a:ext cx="2403651" cy="830997"/>
+            <a:off x="4894387" y="570615"/>
+            <a:ext cx="5103223" cy="1107996"/>
+          </a:xfrm>
+          <a:prstGeom prst="rect">
+            <a:avLst/>
+          </a:prstGeom>
+          <a:noFill/>
+        </p:spPr>
+        <p:txBody>
+          <a:bodyPr wrap="square" rtlCol="0">
+            <a:spAutoFit/>
+          </a:bodyPr>
+          <a:lstStyle/>
+          <a:p>
+            <a:pPr algn="ctr"/>
+            <a:r>
+              <a:rPr lang="fr-FR" sz="6600" b="1" dirty="0">
+                <a:solidFill>
+                  <a:srgbClr val="A0D2DB"/>
+                </a:solidFill>
+              </a:rPr>
+              <a:t>Puissance 4</a:t>
+            </a:r>
+          </a:p>
+        </p:txBody>
+      </p:sp>
+      <p:sp>
+        <p:nvSpPr>
+          <p:cNvPr id="187" name="ZoneTexte 186">
+            <a:extLst>
+              <a:ext uri="{FF2B5EF4-FFF2-40B4-BE49-F238E27FC236}">
+                <a16:creationId xmlns:a16="http://schemas.microsoft.com/office/drawing/2014/main" id="{81BBE0EE-8AA9-42EA-8A8E-FFAFE75074E3}"/>
+              </a:ext>
+            </a:extLst>
+          </p:cNvPr>
+          <p:cNvSpPr txBox="1"/>
+          <p:nvPr/>
+        </p:nvSpPr>
+        <p:spPr>
+          <a:xfrm>
+            <a:off x="3535850" y="2114913"/>
+            <a:ext cx="7820296" cy="1446550"/>
+          </a:xfrm>
+          <a:prstGeom prst="rect">
+            <a:avLst/>
+          </a:prstGeom>
+          <a:noFill/>
+        </p:spPr>
+        <p:txBody>
+          <a:bodyPr wrap="square" rtlCol="0">
+            <a:spAutoFit/>
+          </a:bodyPr>
+          <a:lstStyle/>
+          <a:p>
+            <a:pPr algn="ctr"/>
+            <a:r>
+              <a:rPr lang="fr-FR" sz="4000" b="1" dirty="0">
+                <a:solidFill>
+                  <a:srgbClr val="EFEFEF"/>
+                </a:solidFill>
+              </a:rPr>
+              <a:t>Nom du joueur 1 :</a:t>
+            </a:r>
+            <a:endParaRPr lang="fr-FR" sz="4000" b="1" dirty="0">
+              <a:solidFill>
+                <a:srgbClr val="F68E5F"/>
+              </a:solidFill>
+            </a:endParaRPr>
+          </a:p>
+          <a:p>
+            <a:pPr algn="ctr"/>
+            <a:r>
+              <a:rPr lang="fr-FR" sz="4800" b="1" dirty="0">
+                <a:solidFill>
+                  <a:srgbClr val="F68E5F"/>
+                </a:solidFill>
+              </a:rPr>
+              <a:t>Colin</a:t>
+            </a:r>
+          </a:p>
+        </p:txBody>
+      </p:sp>
+      <p:sp>
+        <p:nvSpPr>
+          <p:cNvPr id="188" name="ZoneTexte 187">
+            <a:extLst>
+              <a:ext uri="{FF2B5EF4-FFF2-40B4-BE49-F238E27FC236}">
+                <a16:creationId xmlns:a16="http://schemas.microsoft.com/office/drawing/2014/main" id="{88E75A73-7274-4534-B6B7-50CD594CECCB}"/>
+              </a:ext>
+            </a:extLst>
+          </p:cNvPr>
+          <p:cNvSpPr txBox="1"/>
+          <p:nvPr/>
+        </p:nvSpPr>
+        <p:spPr>
+          <a:xfrm>
+            <a:off x="3535850" y="3699018"/>
+            <a:ext cx="7820296" cy="1446550"/>
+          </a:xfrm>
+          <a:prstGeom prst="rect">
+            <a:avLst/>
+          </a:prstGeom>
+          <a:noFill/>
+        </p:spPr>
+        <p:txBody>
+          <a:bodyPr wrap="square" rtlCol="0">
+            <a:spAutoFit/>
+          </a:bodyPr>
+          <a:lstStyle/>
+          <a:p>
+            <a:pPr algn="ctr"/>
+            <a:r>
+              <a:rPr lang="fr-FR" sz="4000" b="1" dirty="0">
+                <a:solidFill>
+                  <a:srgbClr val="EFEFEF"/>
+                </a:solidFill>
+              </a:rPr>
+              <a:t>Nom du joueur 2 :</a:t>
+            </a:r>
+            <a:endParaRPr lang="fr-FR" sz="4000" b="1" dirty="0">
+              <a:solidFill>
+                <a:srgbClr val="947EB0"/>
+              </a:solidFill>
+            </a:endParaRPr>
+          </a:p>
+          <a:p>
+            <a:pPr algn="ctr"/>
+            <a:r>
+              <a:rPr lang="fr-FR" sz="4800" b="1" dirty="0">
+                <a:solidFill>
+                  <a:srgbClr val="947EB0"/>
+                </a:solidFill>
+              </a:rPr>
+              <a:t>Lucas</a:t>
+            </a:r>
+          </a:p>
+        </p:txBody>
+      </p:sp>
+      <p:sp>
+        <p:nvSpPr>
+          <p:cNvPr id="190" name="ZoneTexte 189">
+            <a:extLst>
+              <a:ext uri="{FF2B5EF4-FFF2-40B4-BE49-F238E27FC236}">
+                <a16:creationId xmlns:a16="http://schemas.microsoft.com/office/drawing/2014/main" id="{988F73E5-847D-45C0-959B-F34A6F76BF7B}"/>
+              </a:ext>
+            </a:extLst>
+          </p:cNvPr>
+          <p:cNvSpPr txBox="1"/>
+          <p:nvPr/>
+        </p:nvSpPr>
+        <p:spPr>
+          <a:xfrm>
+            <a:off x="-1" y="246700"/>
+            <a:ext cx="2699998" cy="830997"/>
           </a:xfrm>
           <a:prstGeom prst="rect">
             <a:avLst/>
@@ -15084,8 +15125,8 @@
         </p:nvSpPr>
         <p:spPr>
           <a:xfrm>
-            <a:off x="146431" y="447392"/>
-            <a:ext cx="2403651" cy="461665"/>
+            <a:off x="3446" y="1301374"/>
+            <a:ext cx="2696553" cy="461665"/>
           </a:xfrm>
           <a:prstGeom prst="rect">
             <a:avLst/>
@@ -15124,8 +15165,8 @@
         </p:nvSpPr>
         <p:spPr>
           <a:xfrm>
-            <a:off x="123080" y="5978376"/>
-            <a:ext cx="2403651" cy="461665"/>
+            <a:off x="3446" y="5978376"/>
+            <a:ext cx="2689660" cy="461665"/>
           </a:xfrm>
           <a:prstGeom prst="rect">
             <a:avLst/>
@@ -15164,8 +15205,8 @@
         </p:nvSpPr>
         <p:spPr>
           <a:xfrm>
-            <a:off x="144728" y="2621315"/>
-            <a:ext cx="2403651" cy="461665"/>
+            <a:off x="0" y="2621315"/>
+            <a:ext cx="2696553" cy="461665"/>
           </a:xfrm>
           <a:prstGeom prst="rect">
             <a:avLst/>
@@ -15204,8 +15245,8 @@
         </p:nvSpPr>
         <p:spPr>
           <a:xfrm>
-            <a:off x="144727" y="3273799"/>
-            <a:ext cx="2403651" cy="461665"/>
+            <a:off x="1" y="3273799"/>
+            <a:ext cx="2696552" cy="461665"/>
           </a:xfrm>
           <a:prstGeom prst="rect">
             <a:avLst/>
@@ -15244,8 +15285,8 @@
         </p:nvSpPr>
         <p:spPr>
           <a:xfrm>
-            <a:off x="151621" y="3864632"/>
-            <a:ext cx="2403651" cy="461665"/>
+            <a:off x="-3445" y="3864632"/>
+            <a:ext cx="2696552" cy="461665"/>
           </a:xfrm>
           <a:prstGeom prst="rect">
             <a:avLst/>
@@ -15284,8 +15325,8 @@
         </p:nvSpPr>
         <p:spPr>
           <a:xfrm>
-            <a:off x="146429" y="5325892"/>
-            <a:ext cx="2403651" cy="461665"/>
+            <a:off x="3447" y="5325892"/>
+            <a:ext cx="2689660" cy="461665"/>
           </a:xfrm>
           <a:prstGeom prst="rect">
             <a:avLst/>
@@ -15306,6 +15347,46 @@
                 </a:solidFill>
               </a:rPr>
               <a:t>Nouvelle manche</a:t>
+            </a:r>
+          </a:p>
+        </p:txBody>
+      </p:sp>
+      <p:sp>
+        <p:nvSpPr>
+          <p:cNvPr id="36" name="ZoneTexte 35">
+            <a:extLst>
+              <a:ext uri="{FF2B5EF4-FFF2-40B4-BE49-F238E27FC236}">
+                <a16:creationId xmlns:a16="http://schemas.microsoft.com/office/drawing/2014/main" id="{4AE37E48-7E97-4D13-8CAB-EEBF0555E4D6}"/>
+              </a:ext>
+            </a:extLst>
+          </p:cNvPr>
+          <p:cNvSpPr txBox="1"/>
+          <p:nvPr/>
+        </p:nvSpPr>
+        <p:spPr>
+          <a:xfrm>
+            <a:off x="3446" y="396612"/>
+            <a:ext cx="2700000" cy="584775"/>
+          </a:xfrm>
+          <a:prstGeom prst="rect">
+            <a:avLst/>
+          </a:prstGeom>
+          <a:noFill/>
+        </p:spPr>
+        <p:txBody>
+          <a:bodyPr wrap="square" rtlCol="0">
+            <a:spAutoFit/>
+          </a:bodyPr>
+          <a:lstStyle/>
+          <a:p>
+            <a:pPr algn="ctr"/>
+            <a:r>
+              <a:rPr lang="fr-FR" sz="3200" b="1" dirty="0">
+                <a:solidFill>
+                  <a:srgbClr val="A0D2DB"/>
+                </a:solidFill>
+              </a:rPr>
+              <a:t>Puissance 4</a:t>
             </a:r>
           </a:p>
         </p:txBody>
@@ -16605,12 +16686,51 @@
           </a:p>
         </p:txBody>
       </p:sp>
+      <p:pic>
+        <p:nvPicPr>
+          <p:cNvPr id="39" name="Graphique 38" descr="Curseur">
+            <a:extLst>
+              <a:ext uri="{FF2B5EF4-FFF2-40B4-BE49-F238E27FC236}">
+                <a16:creationId xmlns:a16="http://schemas.microsoft.com/office/drawing/2014/main" id="{65BC7B6F-7D66-464C-B446-51D7F553BEC0}"/>
+              </a:ext>
+            </a:extLst>
+          </p:cNvPr>
+          <p:cNvPicPr>
+            <a:picLocks noChangeAspect="1"/>
+          </p:cNvPicPr>
+          <p:nvPr/>
+        </p:nvPicPr>
+        <p:blipFill>
+          <a:blip r:embed="rId2">
+            <a:extLst>
+              <a:ext uri="{28A0092B-C50C-407E-A947-70E740481C1C}">
+                <a14:useLocalDpi xmlns:a14="http://schemas.microsoft.com/office/drawing/2010/main" val="0"/>
+              </a:ext>
+              <a:ext uri="{96DAC541-7B7A-43D3-8B79-37D633B846F1}">
+                <asvg:svgBlip xmlns:asvg="http://schemas.microsoft.com/office/drawing/2016/SVG/main" r:embed="rId3"/>
+              </a:ext>
+            </a:extLst>
+          </a:blip>
+          <a:stretch>
+            <a:fillRect/>
+          </a:stretch>
+        </p:blipFill>
+        <p:spPr>
+          <a:xfrm rot="500160">
+            <a:off x="8551050" y="2540855"/>
+            <a:ext cx="616972" cy="616972"/>
+          </a:xfrm>
+          <a:prstGeom prst="rect">
+            <a:avLst/>
+          </a:prstGeom>
+        </p:spPr>
+      </p:pic>
       <p:sp>
         <p:nvSpPr>
-          <p:cNvPr id="30" name="ZoneTexte 29">
+          <p:cNvPr id="40" name="ZoneTexte 39">
             <a:extLst>
               <a:ext uri="{FF2B5EF4-FFF2-40B4-BE49-F238E27FC236}">
-                <a16:creationId xmlns:a16="http://schemas.microsoft.com/office/drawing/2014/main" id="{F0856AC0-106C-4676-839A-A0957CAED9B7}"/>
+                <a16:creationId xmlns:a16="http://schemas.microsoft.com/office/drawing/2014/main" id="{8A381D01-7217-4F1F-8CD7-D5BF23A2A1BB}"/>
               </a:ext>
             </a:extLst>
           </p:cNvPr>
@@ -16619,8 +16739,8 @@
         </p:nvSpPr>
         <p:spPr>
           <a:xfrm>
-            <a:off x="146431" y="447392"/>
-            <a:ext cx="2403651" cy="461665"/>
+            <a:off x="3446" y="1301374"/>
+            <a:ext cx="2696553" cy="461665"/>
           </a:xfrm>
           <a:prstGeom prst="rect">
             <a:avLst/>
@@ -16647,10 +16767,10 @@
       </p:sp>
       <p:sp>
         <p:nvSpPr>
-          <p:cNvPr id="31" name="ZoneTexte 30">
+          <p:cNvPr id="41" name="ZoneTexte 40">
             <a:extLst>
               <a:ext uri="{FF2B5EF4-FFF2-40B4-BE49-F238E27FC236}">
-                <a16:creationId xmlns:a16="http://schemas.microsoft.com/office/drawing/2014/main" id="{8A593BCB-A743-4DA5-9DDE-7583DCCCF573}"/>
+                <a16:creationId xmlns:a16="http://schemas.microsoft.com/office/drawing/2014/main" id="{281FDBAD-C3B5-4CA7-BD1B-D88F106DCF1A}"/>
               </a:ext>
             </a:extLst>
           </p:cNvPr>
@@ -16659,8 +16779,8 @@
         </p:nvSpPr>
         <p:spPr>
           <a:xfrm>
-            <a:off x="123080" y="5978376"/>
-            <a:ext cx="2403651" cy="461665"/>
+            <a:off x="3446" y="5978376"/>
+            <a:ext cx="2689660" cy="461665"/>
           </a:xfrm>
           <a:prstGeom prst="rect">
             <a:avLst/>
@@ -16687,10 +16807,10 @@
       </p:sp>
       <p:sp>
         <p:nvSpPr>
-          <p:cNvPr id="32" name="ZoneTexte 31">
+          <p:cNvPr id="42" name="ZoneTexte 41">
             <a:extLst>
               <a:ext uri="{FF2B5EF4-FFF2-40B4-BE49-F238E27FC236}">
-                <a16:creationId xmlns:a16="http://schemas.microsoft.com/office/drawing/2014/main" id="{E61B761A-828F-4D87-B368-FA22E8CC1CFA}"/>
+                <a16:creationId xmlns:a16="http://schemas.microsoft.com/office/drawing/2014/main" id="{FD1EF7D9-0531-40AF-A8F9-8FD97DFF985F}"/>
               </a:ext>
             </a:extLst>
           </p:cNvPr>
@@ -16699,8 +16819,8 @@
         </p:nvSpPr>
         <p:spPr>
           <a:xfrm>
-            <a:off x="144728" y="2621315"/>
-            <a:ext cx="2403651" cy="461665"/>
+            <a:off x="0" y="2621315"/>
+            <a:ext cx="2696553" cy="461665"/>
           </a:xfrm>
           <a:prstGeom prst="rect">
             <a:avLst/>
@@ -16727,10 +16847,10 @@
       </p:sp>
       <p:sp>
         <p:nvSpPr>
-          <p:cNvPr id="33" name="ZoneTexte 32">
+          <p:cNvPr id="43" name="ZoneTexte 42">
             <a:extLst>
               <a:ext uri="{FF2B5EF4-FFF2-40B4-BE49-F238E27FC236}">
-                <a16:creationId xmlns:a16="http://schemas.microsoft.com/office/drawing/2014/main" id="{D015A11C-E957-4A6D-8EFA-A5DF3BF42385}"/>
+                <a16:creationId xmlns:a16="http://schemas.microsoft.com/office/drawing/2014/main" id="{7481EC48-2D9F-44D1-B878-489A130ACD04}"/>
               </a:ext>
             </a:extLst>
           </p:cNvPr>
@@ -16739,8 +16859,8 @@
         </p:nvSpPr>
         <p:spPr>
           <a:xfrm>
-            <a:off x="144727" y="3273799"/>
-            <a:ext cx="2403651" cy="461665"/>
+            <a:off x="1" y="3273799"/>
+            <a:ext cx="2696552" cy="461665"/>
           </a:xfrm>
           <a:prstGeom prst="rect">
             <a:avLst/>
@@ -16767,10 +16887,10 @@
       </p:sp>
       <p:sp>
         <p:nvSpPr>
-          <p:cNvPr id="34" name="ZoneTexte 33">
+          <p:cNvPr id="44" name="ZoneTexte 43">
             <a:extLst>
               <a:ext uri="{FF2B5EF4-FFF2-40B4-BE49-F238E27FC236}">
-                <a16:creationId xmlns:a16="http://schemas.microsoft.com/office/drawing/2014/main" id="{2694075E-C7CC-4CBE-89F3-4FBD67DA89CB}"/>
+                <a16:creationId xmlns:a16="http://schemas.microsoft.com/office/drawing/2014/main" id="{A9C0DE71-86D7-41D3-83A6-D1EC3277C289}"/>
               </a:ext>
             </a:extLst>
           </p:cNvPr>
@@ -16779,8 +16899,8 @@
         </p:nvSpPr>
         <p:spPr>
           <a:xfrm>
-            <a:off x="151621" y="3864632"/>
-            <a:ext cx="2403651" cy="461665"/>
+            <a:off x="-3445" y="3864632"/>
+            <a:ext cx="2696552" cy="461665"/>
           </a:xfrm>
           <a:prstGeom prst="rect">
             <a:avLst/>
@@ -16807,10 +16927,10 @@
       </p:sp>
       <p:sp>
         <p:nvSpPr>
-          <p:cNvPr id="35" name="ZoneTexte 34">
+          <p:cNvPr id="45" name="ZoneTexte 44">
             <a:extLst>
               <a:ext uri="{FF2B5EF4-FFF2-40B4-BE49-F238E27FC236}">
-                <a16:creationId xmlns:a16="http://schemas.microsoft.com/office/drawing/2014/main" id="{A826212F-A3FA-4331-AE37-0C038E654DDE}"/>
+                <a16:creationId xmlns:a16="http://schemas.microsoft.com/office/drawing/2014/main" id="{FD5A41F1-F1BA-4585-B6D6-5C7765F8A0A0}"/>
               </a:ext>
             </a:extLst>
           </p:cNvPr>
@@ -16819,8 +16939,8 @@
         </p:nvSpPr>
         <p:spPr>
           <a:xfrm>
-            <a:off x="146429" y="5325892"/>
-            <a:ext cx="2403651" cy="461665"/>
+            <a:off x="3447" y="5325892"/>
+            <a:ext cx="2689660" cy="461665"/>
           </a:xfrm>
           <a:prstGeom prst="rect">
             <a:avLst/>
@@ -16841,6 +16961,46 @@
                 </a:solidFill>
               </a:rPr>
               <a:t>Nouvelle manche</a:t>
+            </a:r>
+          </a:p>
+        </p:txBody>
+      </p:sp>
+      <p:sp>
+        <p:nvSpPr>
+          <p:cNvPr id="46" name="ZoneTexte 45">
+            <a:extLst>
+              <a:ext uri="{FF2B5EF4-FFF2-40B4-BE49-F238E27FC236}">
+                <a16:creationId xmlns:a16="http://schemas.microsoft.com/office/drawing/2014/main" id="{CA6B8766-FB2D-443E-9804-714B8805280B}"/>
+              </a:ext>
+            </a:extLst>
+          </p:cNvPr>
+          <p:cNvSpPr txBox="1"/>
+          <p:nvPr/>
+        </p:nvSpPr>
+        <p:spPr>
+          <a:xfrm>
+            <a:off x="3446" y="396612"/>
+            <a:ext cx="2700000" cy="584775"/>
+          </a:xfrm>
+          <a:prstGeom prst="rect">
+            <a:avLst/>
+          </a:prstGeom>
+          <a:noFill/>
+        </p:spPr>
+        <p:txBody>
+          <a:bodyPr wrap="square" rtlCol="0">
+            <a:spAutoFit/>
+          </a:bodyPr>
+          <a:lstStyle/>
+          <a:p>
+            <a:pPr algn="ctr"/>
+            <a:r>
+              <a:rPr lang="fr-FR" sz="3200" b="1" dirty="0">
+                <a:solidFill>
+                  <a:srgbClr val="A0D2DB"/>
+                </a:solidFill>
+              </a:rPr>
+              <a:t>Puissance 4</a:t>
             </a:r>
           </a:p>
         </p:txBody>
@@ -16876,7 +17036,7 @@
         </p:blipFill>
         <p:spPr>
           <a:xfrm rot="500160">
-            <a:off x="1623637" y="600570"/>
+            <a:off x="1555661" y="1483834"/>
             <a:ext cx="616972" cy="616972"/>
           </a:xfrm>
           <a:prstGeom prst="rect">
@@ -16955,45 +17115,6 @@
         <p:spPr>
           <a:xfrm rot="500160">
             <a:off x="1850480" y="6137258"/>
-            <a:ext cx="616972" cy="616972"/>
-          </a:xfrm>
-          <a:prstGeom prst="rect">
-            <a:avLst/>
-          </a:prstGeom>
-        </p:spPr>
-      </p:pic>
-      <p:pic>
-        <p:nvPicPr>
-          <p:cNvPr id="39" name="Graphique 38" descr="Curseur">
-            <a:extLst>
-              <a:ext uri="{FF2B5EF4-FFF2-40B4-BE49-F238E27FC236}">
-                <a16:creationId xmlns:a16="http://schemas.microsoft.com/office/drawing/2014/main" id="{65BC7B6F-7D66-464C-B446-51D7F553BEC0}"/>
-              </a:ext>
-            </a:extLst>
-          </p:cNvPr>
-          <p:cNvPicPr>
-            <a:picLocks noChangeAspect="1"/>
-          </p:cNvPicPr>
-          <p:nvPr/>
-        </p:nvPicPr>
-        <p:blipFill>
-          <a:blip r:embed="rId2">
-            <a:extLst>
-              <a:ext uri="{28A0092B-C50C-407E-A947-70E740481C1C}">
-                <a14:useLocalDpi xmlns:a14="http://schemas.microsoft.com/office/drawing/2010/main" val="0"/>
-              </a:ext>
-              <a:ext uri="{96DAC541-7B7A-43D3-8B79-37D633B846F1}">
-                <asvg:svgBlip xmlns:asvg="http://schemas.microsoft.com/office/drawing/2016/SVG/main" r:embed="rId3"/>
-              </a:ext>
-            </a:extLst>
-          </a:blip>
-          <a:stretch>
-            <a:fillRect/>
-          </a:stretch>
-        </p:blipFill>
-        <p:spPr>
-          <a:xfrm rot="500160">
-            <a:off x="8551050" y="2540855"/>
             <a:ext cx="616972" cy="616972"/>
           </a:xfrm>
           <a:prstGeom prst="rect">
@@ -18298,246 +18419,6 @@
       </p:sp>
       <p:sp>
         <p:nvSpPr>
-          <p:cNvPr id="30" name="ZoneTexte 29">
-            <a:extLst>
-              <a:ext uri="{FF2B5EF4-FFF2-40B4-BE49-F238E27FC236}">
-                <a16:creationId xmlns:a16="http://schemas.microsoft.com/office/drawing/2014/main" id="{14C55EA0-57C7-41D8-BD62-C08106D63003}"/>
-              </a:ext>
-            </a:extLst>
-          </p:cNvPr>
-          <p:cNvSpPr txBox="1"/>
-          <p:nvPr/>
-        </p:nvSpPr>
-        <p:spPr>
-          <a:xfrm>
-            <a:off x="146431" y="447392"/>
-            <a:ext cx="2403651" cy="461665"/>
-          </a:xfrm>
-          <a:prstGeom prst="rect">
-            <a:avLst/>
-          </a:prstGeom>
-          <a:noFill/>
-        </p:spPr>
-        <p:txBody>
-          <a:bodyPr wrap="square">
-            <a:spAutoFit/>
-          </a:bodyPr>
-          <a:lstStyle/>
-          <a:p>
-            <a:pPr algn="ctr"/>
-            <a:r>
-              <a:rPr lang="fr-FR" sz="2400" b="1" dirty="0">
-                <a:solidFill>
-                  <a:srgbClr val="EFEFEF"/>
-                </a:solidFill>
-              </a:rPr>
-              <a:t>Retour au menu</a:t>
-            </a:r>
-          </a:p>
-        </p:txBody>
-      </p:sp>
-      <p:sp>
-        <p:nvSpPr>
-          <p:cNvPr id="31" name="ZoneTexte 30">
-            <a:extLst>
-              <a:ext uri="{FF2B5EF4-FFF2-40B4-BE49-F238E27FC236}">
-                <a16:creationId xmlns:a16="http://schemas.microsoft.com/office/drawing/2014/main" id="{D09360E6-F97E-4A15-AC9A-68088A30EE15}"/>
-              </a:ext>
-            </a:extLst>
-          </p:cNvPr>
-          <p:cNvSpPr txBox="1"/>
-          <p:nvPr/>
-        </p:nvSpPr>
-        <p:spPr>
-          <a:xfrm>
-            <a:off x="123080" y="5978376"/>
-            <a:ext cx="2403651" cy="461665"/>
-          </a:xfrm>
-          <a:prstGeom prst="rect">
-            <a:avLst/>
-          </a:prstGeom>
-          <a:noFill/>
-        </p:spPr>
-        <p:txBody>
-          <a:bodyPr wrap="square">
-            <a:spAutoFit/>
-          </a:bodyPr>
-          <a:lstStyle/>
-          <a:p>
-            <a:pPr algn="ctr"/>
-            <a:r>
-              <a:rPr lang="fr-FR" sz="2400" b="1" dirty="0">
-                <a:solidFill>
-                  <a:srgbClr val="EFEFEF"/>
-                </a:solidFill>
-              </a:rPr>
-              <a:t>Nouvelle partie</a:t>
-            </a:r>
-          </a:p>
-        </p:txBody>
-      </p:sp>
-      <p:sp>
-        <p:nvSpPr>
-          <p:cNvPr id="32" name="ZoneTexte 31">
-            <a:extLst>
-              <a:ext uri="{FF2B5EF4-FFF2-40B4-BE49-F238E27FC236}">
-                <a16:creationId xmlns:a16="http://schemas.microsoft.com/office/drawing/2014/main" id="{C680C9BB-6EE4-4605-8C66-95D3BE2E59A5}"/>
-              </a:ext>
-            </a:extLst>
-          </p:cNvPr>
-          <p:cNvSpPr txBox="1"/>
-          <p:nvPr/>
-        </p:nvSpPr>
-        <p:spPr>
-          <a:xfrm>
-            <a:off x="144728" y="2621315"/>
-            <a:ext cx="2403651" cy="461665"/>
-          </a:xfrm>
-          <a:prstGeom prst="rect">
-            <a:avLst/>
-          </a:prstGeom>
-          <a:noFill/>
-        </p:spPr>
-        <p:txBody>
-          <a:bodyPr wrap="square">
-            <a:spAutoFit/>
-          </a:bodyPr>
-          <a:lstStyle/>
-          <a:p>
-            <a:pPr algn="ctr"/>
-            <a:r>
-              <a:rPr lang="fr-FR" sz="2400" b="1" dirty="0">
-                <a:solidFill>
-                  <a:srgbClr val="EFEFEF"/>
-                </a:solidFill>
-              </a:rPr>
-              <a:t>Score</a:t>
-            </a:r>
-          </a:p>
-        </p:txBody>
-      </p:sp>
-      <p:sp>
-        <p:nvSpPr>
-          <p:cNvPr id="33" name="ZoneTexte 32">
-            <a:extLst>
-              <a:ext uri="{FF2B5EF4-FFF2-40B4-BE49-F238E27FC236}">
-                <a16:creationId xmlns:a16="http://schemas.microsoft.com/office/drawing/2014/main" id="{B28184E0-12AD-4711-A776-FA60DD75CF27}"/>
-              </a:ext>
-            </a:extLst>
-          </p:cNvPr>
-          <p:cNvSpPr txBox="1"/>
-          <p:nvPr/>
-        </p:nvSpPr>
-        <p:spPr>
-          <a:xfrm>
-            <a:off x="144727" y="3273799"/>
-            <a:ext cx="2403651" cy="461665"/>
-          </a:xfrm>
-          <a:prstGeom prst="rect">
-            <a:avLst/>
-          </a:prstGeom>
-          <a:noFill/>
-        </p:spPr>
-        <p:txBody>
-          <a:bodyPr wrap="square">
-            <a:spAutoFit/>
-          </a:bodyPr>
-          <a:lstStyle/>
-          <a:p>
-            <a:pPr algn="ctr"/>
-            <a:r>
-              <a:rPr lang="fr-FR" sz="2400" b="1" dirty="0">
-                <a:solidFill>
-                  <a:srgbClr val="F68E5F"/>
-                </a:solidFill>
-              </a:rPr>
-              <a:t>Colin : 6</a:t>
-            </a:r>
-          </a:p>
-        </p:txBody>
-      </p:sp>
-      <p:sp>
-        <p:nvSpPr>
-          <p:cNvPr id="34" name="ZoneTexte 33">
-            <a:extLst>
-              <a:ext uri="{FF2B5EF4-FFF2-40B4-BE49-F238E27FC236}">
-                <a16:creationId xmlns:a16="http://schemas.microsoft.com/office/drawing/2014/main" id="{B89A5DCF-6375-4A14-9ECE-FDF326AA3B60}"/>
-              </a:ext>
-            </a:extLst>
-          </p:cNvPr>
-          <p:cNvSpPr txBox="1"/>
-          <p:nvPr/>
-        </p:nvSpPr>
-        <p:spPr>
-          <a:xfrm>
-            <a:off x="151621" y="3864632"/>
-            <a:ext cx="2403651" cy="461665"/>
-          </a:xfrm>
-          <a:prstGeom prst="rect">
-            <a:avLst/>
-          </a:prstGeom>
-          <a:noFill/>
-        </p:spPr>
-        <p:txBody>
-          <a:bodyPr wrap="square">
-            <a:spAutoFit/>
-          </a:bodyPr>
-          <a:lstStyle/>
-          <a:p>
-            <a:pPr algn="ctr"/>
-            <a:r>
-              <a:rPr lang="fr-FR" sz="2400" b="1" dirty="0">
-                <a:solidFill>
-                  <a:srgbClr val="947EB0"/>
-                </a:solidFill>
-              </a:rPr>
-              <a:t>Lucas : 2</a:t>
-            </a:r>
-          </a:p>
-        </p:txBody>
-      </p:sp>
-      <p:sp>
-        <p:nvSpPr>
-          <p:cNvPr id="35" name="ZoneTexte 34">
-            <a:extLst>
-              <a:ext uri="{FF2B5EF4-FFF2-40B4-BE49-F238E27FC236}">
-                <a16:creationId xmlns:a16="http://schemas.microsoft.com/office/drawing/2014/main" id="{00572B71-166F-40F7-995E-ABE22CACD857}"/>
-              </a:ext>
-            </a:extLst>
-          </p:cNvPr>
-          <p:cNvSpPr txBox="1"/>
-          <p:nvPr/>
-        </p:nvSpPr>
-        <p:spPr>
-          <a:xfrm>
-            <a:off x="146429" y="5325892"/>
-            <a:ext cx="2403651" cy="461665"/>
-          </a:xfrm>
-          <a:prstGeom prst="rect">
-            <a:avLst/>
-          </a:prstGeom>
-          <a:noFill/>
-        </p:spPr>
-        <p:txBody>
-          <a:bodyPr wrap="square">
-            <a:spAutoFit/>
-          </a:bodyPr>
-          <a:lstStyle/>
-          <a:p>
-            <a:pPr algn="ctr"/>
-            <a:r>
-              <a:rPr lang="fr-FR" sz="2400" b="1" dirty="0">
-                <a:solidFill>
-                  <a:srgbClr val="EFEFEF"/>
-                </a:solidFill>
-              </a:rPr>
-              <a:t>Nouvelle manche</a:t>
-            </a:r>
-          </a:p>
-        </p:txBody>
-      </p:sp>
-      <p:sp>
-        <p:nvSpPr>
           <p:cNvPr id="3" name="Bulle narrative : rectangle à coins arrondis 2">
             <a:extLst>
               <a:ext uri="{FF2B5EF4-FFF2-40B4-BE49-F238E27FC236}">
@@ -18694,6 +18575,286 @@
           </a:prstGeom>
         </p:spPr>
       </p:pic>
+      <p:sp>
+        <p:nvSpPr>
+          <p:cNvPr id="37" name="ZoneTexte 36">
+            <a:extLst>
+              <a:ext uri="{FF2B5EF4-FFF2-40B4-BE49-F238E27FC236}">
+                <a16:creationId xmlns:a16="http://schemas.microsoft.com/office/drawing/2014/main" id="{ABB03F40-C2F9-47E6-8E91-05F471833E98}"/>
+              </a:ext>
+            </a:extLst>
+          </p:cNvPr>
+          <p:cNvSpPr txBox="1"/>
+          <p:nvPr/>
+        </p:nvSpPr>
+        <p:spPr>
+          <a:xfrm>
+            <a:off x="3446" y="1301374"/>
+            <a:ext cx="2696553" cy="461665"/>
+          </a:xfrm>
+          <a:prstGeom prst="rect">
+            <a:avLst/>
+          </a:prstGeom>
+          <a:noFill/>
+        </p:spPr>
+        <p:txBody>
+          <a:bodyPr wrap="square">
+            <a:spAutoFit/>
+          </a:bodyPr>
+          <a:lstStyle/>
+          <a:p>
+            <a:pPr algn="ctr"/>
+            <a:r>
+              <a:rPr lang="fr-FR" sz="2400" b="1" dirty="0">
+                <a:solidFill>
+                  <a:srgbClr val="EFEFEF"/>
+                </a:solidFill>
+              </a:rPr>
+              <a:t>Retour au menu</a:t>
+            </a:r>
+          </a:p>
+        </p:txBody>
+      </p:sp>
+      <p:sp>
+        <p:nvSpPr>
+          <p:cNvPr id="38" name="ZoneTexte 37">
+            <a:extLst>
+              <a:ext uri="{FF2B5EF4-FFF2-40B4-BE49-F238E27FC236}">
+                <a16:creationId xmlns:a16="http://schemas.microsoft.com/office/drawing/2014/main" id="{D743745C-FBCD-40BD-89DB-7D5AE9AF06EB}"/>
+              </a:ext>
+            </a:extLst>
+          </p:cNvPr>
+          <p:cNvSpPr txBox="1"/>
+          <p:nvPr/>
+        </p:nvSpPr>
+        <p:spPr>
+          <a:xfrm>
+            <a:off x="3446" y="5978376"/>
+            <a:ext cx="2689660" cy="461665"/>
+          </a:xfrm>
+          <a:prstGeom prst="rect">
+            <a:avLst/>
+          </a:prstGeom>
+          <a:noFill/>
+        </p:spPr>
+        <p:txBody>
+          <a:bodyPr wrap="square">
+            <a:spAutoFit/>
+          </a:bodyPr>
+          <a:lstStyle/>
+          <a:p>
+            <a:pPr algn="ctr"/>
+            <a:r>
+              <a:rPr lang="fr-FR" sz="2400" b="1" dirty="0">
+                <a:solidFill>
+                  <a:srgbClr val="EFEFEF"/>
+                </a:solidFill>
+              </a:rPr>
+              <a:t>Nouvelle partie</a:t>
+            </a:r>
+          </a:p>
+        </p:txBody>
+      </p:sp>
+      <p:sp>
+        <p:nvSpPr>
+          <p:cNvPr id="39" name="ZoneTexte 38">
+            <a:extLst>
+              <a:ext uri="{FF2B5EF4-FFF2-40B4-BE49-F238E27FC236}">
+                <a16:creationId xmlns:a16="http://schemas.microsoft.com/office/drawing/2014/main" id="{CA431CD5-80CB-45A9-B921-AC4F1DDAC9DB}"/>
+              </a:ext>
+            </a:extLst>
+          </p:cNvPr>
+          <p:cNvSpPr txBox="1"/>
+          <p:nvPr/>
+        </p:nvSpPr>
+        <p:spPr>
+          <a:xfrm>
+            <a:off x="0" y="2621315"/>
+            <a:ext cx="2696553" cy="461665"/>
+          </a:xfrm>
+          <a:prstGeom prst="rect">
+            <a:avLst/>
+          </a:prstGeom>
+          <a:noFill/>
+        </p:spPr>
+        <p:txBody>
+          <a:bodyPr wrap="square">
+            <a:spAutoFit/>
+          </a:bodyPr>
+          <a:lstStyle/>
+          <a:p>
+            <a:pPr algn="ctr"/>
+            <a:r>
+              <a:rPr lang="fr-FR" sz="2400" b="1" dirty="0">
+                <a:solidFill>
+                  <a:srgbClr val="EFEFEF"/>
+                </a:solidFill>
+              </a:rPr>
+              <a:t>Score</a:t>
+            </a:r>
+          </a:p>
+        </p:txBody>
+      </p:sp>
+      <p:sp>
+        <p:nvSpPr>
+          <p:cNvPr id="40" name="ZoneTexte 39">
+            <a:extLst>
+              <a:ext uri="{FF2B5EF4-FFF2-40B4-BE49-F238E27FC236}">
+                <a16:creationId xmlns:a16="http://schemas.microsoft.com/office/drawing/2014/main" id="{64754EE7-F5EE-4CCA-80FC-81500BDD0874}"/>
+              </a:ext>
+            </a:extLst>
+          </p:cNvPr>
+          <p:cNvSpPr txBox="1"/>
+          <p:nvPr/>
+        </p:nvSpPr>
+        <p:spPr>
+          <a:xfrm>
+            <a:off x="1" y="3273799"/>
+            <a:ext cx="2696552" cy="461665"/>
+          </a:xfrm>
+          <a:prstGeom prst="rect">
+            <a:avLst/>
+          </a:prstGeom>
+          <a:noFill/>
+        </p:spPr>
+        <p:txBody>
+          <a:bodyPr wrap="square">
+            <a:spAutoFit/>
+          </a:bodyPr>
+          <a:lstStyle/>
+          <a:p>
+            <a:pPr algn="ctr"/>
+            <a:r>
+              <a:rPr lang="fr-FR" sz="2400" b="1" dirty="0">
+                <a:solidFill>
+                  <a:srgbClr val="F68E5F"/>
+                </a:solidFill>
+              </a:rPr>
+              <a:t>Colin : 5</a:t>
+            </a:r>
+          </a:p>
+        </p:txBody>
+      </p:sp>
+      <p:sp>
+        <p:nvSpPr>
+          <p:cNvPr id="41" name="ZoneTexte 40">
+            <a:extLst>
+              <a:ext uri="{FF2B5EF4-FFF2-40B4-BE49-F238E27FC236}">
+                <a16:creationId xmlns:a16="http://schemas.microsoft.com/office/drawing/2014/main" id="{8ABAA75C-DCF3-42A3-801C-6502516AC0EF}"/>
+              </a:ext>
+            </a:extLst>
+          </p:cNvPr>
+          <p:cNvSpPr txBox="1"/>
+          <p:nvPr/>
+        </p:nvSpPr>
+        <p:spPr>
+          <a:xfrm>
+            <a:off x="-3445" y="3864632"/>
+            <a:ext cx="2696552" cy="461665"/>
+          </a:xfrm>
+          <a:prstGeom prst="rect">
+            <a:avLst/>
+          </a:prstGeom>
+          <a:noFill/>
+        </p:spPr>
+        <p:txBody>
+          <a:bodyPr wrap="square">
+            <a:spAutoFit/>
+          </a:bodyPr>
+          <a:lstStyle/>
+          <a:p>
+            <a:pPr algn="ctr"/>
+            <a:r>
+              <a:rPr lang="fr-FR" sz="2400" b="1" dirty="0">
+                <a:solidFill>
+                  <a:srgbClr val="947EB0"/>
+                </a:solidFill>
+              </a:rPr>
+              <a:t>Lucas : 2</a:t>
+            </a:r>
+          </a:p>
+        </p:txBody>
+      </p:sp>
+      <p:sp>
+        <p:nvSpPr>
+          <p:cNvPr id="42" name="ZoneTexte 41">
+            <a:extLst>
+              <a:ext uri="{FF2B5EF4-FFF2-40B4-BE49-F238E27FC236}">
+                <a16:creationId xmlns:a16="http://schemas.microsoft.com/office/drawing/2014/main" id="{2C60F975-407A-4796-8DA7-42B17D443D09}"/>
+              </a:ext>
+            </a:extLst>
+          </p:cNvPr>
+          <p:cNvSpPr txBox="1"/>
+          <p:nvPr/>
+        </p:nvSpPr>
+        <p:spPr>
+          <a:xfrm>
+            <a:off x="3447" y="5325892"/>
+            <a:ext cx="2689660" cy="461665"/>
+          </a:xfrm>
+          <a:prstGeom prst="rect">
+            <a:avLst/>
+          </a:prstGeom>
+          <a:noFill/>
+        </p:spPr>
+        <p:txBody>
+          <a:bodyPr wrap="square">
+            <a:spAutoFit/>
+          </a:bodyPr>
+          <a:lstStyle/>
+          <a:p>
+            <a:pPr algn="ctr"/>
+            <a:r>
+              <a:rPr lang="fr-FR" sz="2400" b="1" dirty="0">
+                <a:solidFill>
+                  <a:srgbClr val="EFEFEF"/>
+                </a:solidFill>
+              </a:rPr>
+              <a:t>Nouvelle manche</a:t>
+            </a:r>
+          </a:p>
+        </p:txBody>
+      </p:sp>
+      <p:sp>
+        <p:nvSpPr>
+          <p:cNvPr id="43" name="ZoneTexte 42">
+            <a:extLst>
+              <a:ext uri="{FF2B5EF4-FFF2-40B4-BE49-F238E27FC236}">
+                <a16:creationId xmlns:a16="http://schemas.microsoft.com/office/drawing/2014/main" id="{8AF79A27-BAA1-4CCD-BF5B-B98185EAD286}"/>
+              </a:ext>
+            </a:extLst>
+          </p:cNvPr>
+          <p:cNvSpPr txBox="1"/>
+          <p:nvPr/>
+        </p:nvSpPr>
+        <p:spPr>
+          <a:xfrm>
+            <a:off x="3446" y="396612"/>
+            <a:ext cx="2700000" cy="584775"/>
+          </a:xfrm>
+          <a:prstGeom prst="rect">
+            <a:avLst/>
+          </a:prstGeom>
+          <a:noFill/>
+        </p:spPr>
+        <p:txBody>
+          <a:bodyPr wrap="square" rtlCol="0">
+            <a:spAutoFit/>
+          </a:bodyPr>
+          <a:lstStyle/>
+          <a:p>
+            <a:pPr algn="ctr"/>
+            <a:r>
+              <a:rPr lang="fr-FR" sz="3200" b="1" dirty="0">
+                <a:solidFill>
+                  <a:srgbClr val="A0D2DB"/>
+                </a:solidFill>
+              </a:rPr>
+              <a:t>Puissance 4</a:t>
+            </a:r>
+          </a:p>
+        </p:txBody>
+      </p:sp>
     </p:spTree>
     <p:extLst>
       <p:ext uri="{BB962C8B-B14F-4D97-AF65-F5344CB8AC3E}">

--- a/Idée charte graphique.pptx
+++ b/Idée charte graphique.pptx
@@ -264,7 +264,7 @@
           <a:p>
             <a:fld id="{EC9EB6B2-2600-4A21-9E12-A2E59B03FFBB}" type="datetimeFigureOut">
               <a:rPr lang="fr-FR" smtClean="0"/>
-              <a:t>03/06/2021</a:t>
+              <a:t>06/06/2021</a:t>
             </a:fld>
             <a:endParaRPr lang="fr-FR"/>
           </a:p>
@@ -462,7 +462,7 @@
           <a:p>
             <a:fld id="{EC9EB6B2-2600-4A21-9E12-A2E59B03FFBB}" type="datetimeFigureOut">
               <a:rPr lang="fr-FR" smtClean="0"/>
-              <a:t>03/06/2021</a:t>
+              <a:t>06/06/2021</a:t>
             </a:fld>
             <a:endParaRPr lang="fr-FR"/>
           </a:p>
@@ -670,7 +670,7 @@
           <a:p>
             <a:fld id="{EC9EB6B2-2600-4A21-9E12-A2E59B03FFBB}" type="datetimeFigureOut">
               <a:rPr lang="fr-FR" smtClean="0"/>
-              <a:t>03/06/2021</a:t>
+              <a:t>06/06/2021</a:t>
             </a:fld>
             <a:endParaRPr lang="fr-FR"/>
           </a:p>
@@ -868,7 +868,7 @@
           <a:p>
             <a:fld id="{EC9EB6B2-2600-4A21-9E12-A2E59B03FFBB}" type="datetimeFigureOut">
               <a:rPr lang="fr-FR" smtClean="0"/>
-              <a:t>03/06/2021</a:t>
+              <a:t>06/06/2021</a:t>
             </a:fld>
             <a:endParaRPr lang="fr-FR"/>
           </a:p>
@@ -1143,7 +1143,7 @@
           <a:p>
             <a:fld id="{EC9EB6B2-2600-4A21-9E12-A2E59B03FFBB}" type="datetimeFigureOut">
               <a:rPr lang="fr-FR" smtClean="0"/>
-              <a:t>03/06/2021</a:t>
+              <a:t>06/06/2021</a:t>
             </a:fld>
             <a:endParaRPr lang="fr-FR"/>
           </a:p>
@@ -1408,7 +1408,7 @@
           <a:p>
             <a:fld id="{EC9EB6B2-2600-4A21-9E12-A2E59B03FFBB}" type="datetimeFigureOut">
               <a:rPr lang="fr-FR" smtClean="0"/>
-              <a:t>03/06/2021</a:t>
+              <a:t>06/06/2021</a:t>
             </a:fld>
             <a:endParaRPr lang="fr-FR"/>
           </a:p>
@@ -1820,7 +1820,7 @@
           <a:p>
             <a:fld id="{EC9EB6B2-2600-4A21-9E12-A2E59B03FFBB}" type="datetimeFigureOut">
               <a:rPr lang="fr-FR" smtClean="0"/>
-              <a:t>03/06/2021</a:t>
+              <a:t>06/06/2021</a:t>
             </a:fld>
             <a:endParaRPr lang="fr-FR"/>
           </a:p>
@@ -1961,7 +1961,7 @@
           <a:p>
             <a:fld id="{EC9EB6B2-2600-4A21-9E12-A2E59B03FFBB}" type="datetimeFigureOut">
               <a:rPr lang="fr-FR" smtClean="0"/>
-              <a:t>03/06/2021</a:t>
+              <a:t>06/06/2021</a:t>
             </a:fld>
             <a:endParaRPr lang="fr-FR"/>
           </a:p>
@@ -2074,7 +2074,7 @@
           <a:p>
             <a:fld id="{EC9EB6B2-2600-4A21-9E12-A2E59B03FFBB}" type="datetimeFigureOut">
               <a:rPr lang="fr-FR" smtClean="0"/>
-              <a:t>03/06/2021</a:t>
+              <a:t>06/06/2021</a:t>
             </a:fld>
             <a:endParaRPr lang="fr-FR"/>
           </a:p>
@@ -2385,7 +2385,7 @@
           <a:p>
             <a:fld id="{EC9EB6B2-2600-4A21-9E12-A2E59B03FFBB}" type="datetimeFigureOut">
               <a:rPr lang="fr-FR" smtClean="0"/>
-              <a:t>03/06/2021</a:t>
+              <a:t>06/06/2021</a:t>
             </a:fld>
             <a:endParaRPr lang="fr-FR"/>
           </a:p>
@@ -2673,7 +2673,7 @@
           <a:p>
             <a:fld id="{EC9EB6B2-2600-4A21-9E12-A2E59B03FFBB}" type="datetimeFigureOut">
               <a:rPr lang="fr-FR" smtClean="0"/>
-              <a:t>03/06/2021</a:t>
+              <a:t>06/06/2021</a:t>
             </a:fld>
             <a:endParaRPr lang="fr-FR"/>
           </a:p>
@@ -2914,7 +2914,7 @@
           <a:p>
             <a:fld id="{EC9EB6B2-2600-4A21-9E12-A2E59B03FFBB}" type="datetimeFigureOut">
               <a:rPr lang="fr-FR" smtClean="0"/>
-              <a:t>03/06/2021</a:t>
+              <a:t>06/06/2021</a:t>
             </a:fld>
             <a:endParaRPr lang="fr-FR"/>
           </a:p>
@@ -3797,7 +3797,7 @@
             <a:r>
               <a:rPr lang="fr-FR" sz="3600" b="1" dirty="0">
                 <a:solidFill>
-                  <a:srgbClr val="A0D2DB"/>
+                  <a:srgbClr val="EFEFEF"/>
                 </a:solidFill>
               </a:rPr>
               <a:t>C’est parti</a:t>
@@ -8759,7 +8759,7 @@
             <a:r>
               <a:rPr lang="fr-FR" sz="3600" b="1" dirty="0">
                 <a:solidFill>
-                  <a:srgbClr val="EFEFEF"/>
+                  <a:srgbClr val="A0D2DB"/>
                 </a:solidFill>
               </a:rPr>
               <a:t>C’est parti</a:t>
